--- a/Kick_off_slides.pptx
+++ b/Kick_off_slides.pptx
@@ -3585,6 +3585,10 @@
           </a:p>
           <a:p>
             <a:pPr lvl="1"/>
+            <a:r>
+              <a:rPr lang="en-US"/>
+              <a:t>  </a:t>
+            </a:r>
             <a:endParaRPr lang="en-US" dirty="0"/>
           </a:p>
         </p:txBody>

--- a/Kick_off_slides.pptx
+++ b/Kick_off_slides.pptx
@@ -6,8 +6,12 @@
   </p:sldMasterIdLst>
   <p:sldIdLst>
     <p:sldId id="256" r:id="rId2"/>
-    <p:sldId id="257" r:id="rId3"/>
-    <p:sldId id="258" r:id="rId4"/>
+    <p:sldId id="259" r:id="rId3"/>
+    <p:sldId id="260" r:id="rId4"/>
+    <p:sldId id="257" r:id="rId5"/>
+    <p:sldId id="258" r:id="rId6"/>
+    <p:sldId id="261" r:id="rId7"/>
+    <p:sldId id="262" r:id="rId8"/>
   </p:sldIdLst>
   <p:sldSz cx="12192000" cy="6858000"/>
   <p:notesSz cx="6858000" cy="9144000"/>
@@ -106,6 +110,11 @@
       </a:defRPr>
     </a:lvl9pPr>
   </p:defaultTextStyle>
+  <p:extLst>
+    <p:ext uri="{EFAFB233-063F-42B5-8137-9DF3F51BA10A}">
+      <p15:sldGuideLst xmlns:p15="http://schemas.microsoft.com/office/powerpoint/2012/main"/>
+    </p:ext>
+  </p:extLst>
 </p:presentation>
 </file>
 
@@ -256,7 +265,7 @@
           <a:p>
             <a:fld id="{1FD7B33D-7795-CD40-812F-DEEA8DDC7136}" type="datetimeFigureOut">
               <a:rPr lang="en-US" smtClean="0"/>
-              <a:t>8/15/23</a:t>
+              <a:t>8/29/23</a:t>
             </a:fld>
             <a:endParaRPr lang="en-US"/>
           </a:p>
@@ -454,7 +463,7 @@
           <a:p>
             <a:fld id="{1FD7B33D-7795-CD40-812F-DEEA8DDC7136}" type="datetimeFigureOut">
               <a:rPr lang="en-US" smtClean="0"/>
-              <a:t>8/15/23</a:t>
+              <a:t>8/29/23</a:t>
             </a:fld>
             <a:endParaRPr lang="en-US"/>
           </a:p>
@@ -662,7 +671,7 @@
           <a:p>
             <a:fld id="{1FD7B33D-7795-CD40-812F-DEEA8DDC7136}" type="datetimeFigureOut">
               <a:rPr lang="en-US" smtClean="0"/>
-              <a:t>8/15/23</a:t>
+              <a:t>8/29/23</a:t>
             </a:fld>
             <a:endParaRPr lang="en-US"/>
           </a:p>
@@ -860,7 +869,7 @@
           <a:p>
             <a:fld id="{1FD7B33D-7795-CD40-812F-DEEA8DDC7136}" type="datetimeFigureOut">
               <a:rPr lang="en-US" smtClean="0"/>
-              <a:t>8/15/23</a:t>
+              <a:t>8/29/23</a:t>
             </a:fld>
             <a:endParaRPr lang="en-US"/>
           </a:p>
@@ -1135,7 +1144,7 @@
           <a:p>
             <a:fld id="{1FD7B33D-7795-CD40-812F-DEEA8DDC7136}" type="datetimeFigureOut">
               <a:rPr lang="en-US" smtClean="0"/>
-              <a:t>8/15/23</a:t>
+              <a:t>8/29/23</a:t>
             </a:fld>
             <a:endParaRPr lang="en-US"/>
           </a:p>
@@ -1400,7 +1409,7 @@
           <a:p>
             <a:fld id="{1FD7B33D-7795-CD40-812F-DEEA8DDC7136}" type="datetimeFigureOut">
               <a:rPr lang="en-US" smtClean="0"/>
-              <a:t>8/15/23</a:t>
+              <a:t>8/29/23</a:t>
             </a:fld>
             <a:endParaRPr lang="en-US"/>
           </a:p>
@@ -1812,7 +1821,7 @@
           <a:p>
             <a:fld id="{1FD7B33D-7795-CD40-812F-DEEA8DDC7136}" type="datetimeFigureOut">
               <a:rPr lang="en-US" smtClean="0"/>
-              <a:t>8/15/23</a:t>
+              <a:t>8/29/23</a:t>
             </a:fld>
             <a:endParaRPr lang="en-US"/>
           </a:p>
@@ -1953,7 +1962,7 @@
           <a:p>
             <a:fld id="{1FD7B33D-7795-CD40-812F-DEEA8DDC7136}" type="datetimeFigureOut">
               <a:rPr lang="en-US" smtClean="0"/>
-              <a:t>8/15/23</a:t>
+              <a:t>8/29/23</a:t>
             </a:fld>
             <a:endParaRPr lang="en-US"/>
           </a:p>
@@ -2066,7 +2075,7 @@
           <a:p>
             <a:fld id="{1FD7B33D-7795-CD40-812F-DEEA8DDC7136}" type="datetimeFigureOut">
               <a:rPr lang="en-US" smtClean="0"/>
-              <a:t>8/15/23</a:t>
+              <a:t>8/29/23</a:t>
             </a:fld>
             <a:endParaRPr lang="en-US"/>
           </a:p>
@@ -2377,7 +2386,7 @@
           <a:p>
             <a:fld id="{1FD7B33D-7795-CD40-812F-DEEA8DDC7136}" type="datetimeFigureOut">
               <a:rPr lang="en-US" smtClean="0"/>
-              <a:t>8/15/23</a:t>
+              <a:t>8/29/23</a:t>
             </a:fld>
             <a:endParaRPr lang="en-US"/>
           </a:p>
@@ -2665,7 +2674,7 @@
           <a:p>
             <a:fld id="{1FD7B33D-7795-CD40-812F-DEEA8DDC7136}" type="datetimeFigureOut">
               <a:rPr lang="en-US" smtClean="0"/>
-              <a:t>8/15/23</a:t>
+              <a:t>8/29/23</a:t>
             </a:fld>
             <a:endParaRPr lang="en-US"/>
           </a:p>
@@ -2906,7 +2915,7 @@
           <a:p>
             <a:fld id="{1FD7B33D-7795-CD40-812F-DEEA8DDC7136}" type="datetimeFigureOut">
               <a:rPr lang="en-US" smtClean="0"/>
-              <a:t>8/15/23</a:t>
+              <a:t>8/29/23</a:t>
             </a:fld>
             <a:endParaRPr lang="en-US"/>
           </a:p>
@@ -3376,19 +3385,22 @@
             <p:ph type="subTitle" idx="1"/>
           </p:nvPr>
         </p:nvSpPr>
-        <p:spPr/>
+        <p:spPr>
+          <a:xfrm>
+            <a:off x="1524000" y="3602038"/>
+            <a:ext cx="9144000" cy="1655762"/>
+          </a:xfrm>
+        </p:spPr>
         <p:txBody>
           <a:bodyPr/>
           <a:lstStyle/>
           <a:p>
             <a:r>
               <a:rPr lang="en-US" dirty="0"/>
-              <a:t>By Jack </a:t>
-            </a:r>
-            <a:r>
-              <a:rPr lang="en-US" dirty="0" err="1"/>
-              <a:t>Jin</a:t>
-            </a:r>
+              <a:t>By Board</a:t>
+            </a:r>
+          </a:p>
+          <a:p>
             <a:endParaRPr lang="en-US" dirty="0"/>
           </a:p>
         </p:txBody>
@@ -3428,7 +3440,7 @@
           <p:cNvPr id="2" name="Title 1">
             <a:extLst>
               <a:ext uri="{FF2B5EF4-FFF2-40B4-BE49-F238E27FC236}">
-                <a16:creationId xmlns:a16="http://schemas.microsoft.com/office/drawing/2014/main" id="{80292142-CB75-FE29-BB31-7134841BEF17}"/>
+                <a16:creationId xmlns:a16="http://schemas.microsoft.com/office/drawing/2014/main" id="{106BF82B-5D1A-4742-8F44-B96F01181AA5}"/>
               </a:ext>
             </a:extLst>
           </p:cNvPr>
@@ -3446,25 +3458,25 @@
           <a:p>
             <a:r>
               <a:rPr lang="en-US" dirty="0"/>
-              <a:t>Tools</a:t>
-            </a:r>
-          </a:p>
-        </p:txBody>
-      </p:sp>
-      <p:sp>
-        <p:nvSpPr>
-          <p:cNvPr id="3" name="Content Placeholder 2">
-            <a:extLst>
-              <a:ext uri="{FF2B5EF4-FFF2-40B4-BE49-F238E27FC236}">
-                <a16:creationId xmlns:a16="http://schemas.microsoft.com/office/drawing/2014/main" id="{5EC0C1BE-20C9-3629-ADF6-049274EF727B}"/>
-              </a:ext>
-            </a:extLst>
-          </p:cNvPr>
-          <p:cNvSpPr>
-            <a:spLocks noGrp="1"/>
-          </p:cNvSpPr>
-          <p:nvPr>
-            <p:ph idx="1"/>
+              <a:t>Video Game Development</a:t>
+            </a:r>
+          </a:p>
+        </p:txBody>
+      </p:sp>
+      <p:sp>
+        <p:nvSpPr>
+          <p:cNvPr id="3" name="Text Placeholder 2">
+            <a:extLst>
+              <a:ext uri="{FF2B5EF4-FFF2-40B4-BE49-F238E27FC236}">
+                <a16:creationId xmlns:a16="http://schemas.microsoft.com/office/drawing/2014/main" id="{911EE601-7046-0914-AAC2-B81787F89C74}"/>
+              </a:ext>
+            </a:extLst>
+          </p:cNvPr>
+          <p:cNvSpPr>
+            <a:spLocks noGrp="1"/>
+          </p:cNvSpPr>
+          <p:nvPr>
+            <p:ph type="body" idx="1"/>
           </p:nvPr>
         </p:nvSpPr>
         <p:spPr/>
@@ -3474,35 +3486,15 @@
           <a:p>
             <a:r>
               <a:rPr lang="en-US" dirty="0"/>
-              <a:t>Godot</a:t>
-            </a:r>
-          </a:p>
-          <a:p>
-            <a:r>
-              <a:rPr lang="en-US" dirty="0"/>
-              <a:t>Blender</a:t>
-            </a:r>
-          </a:p>
-          <a:p>
-            <a:r>
-              <a:rPr lang="en-US" dirty="0" err="1"/>
-              <a:t>Musescore</a:t>
-            </a:r>
-            <a:endParaRPr lang="en-US" dirty="0"/>
-          </a:p>
-          <a:p>
-            <a:r>
-              <a:rPr lang="en-US" dirty="0" err="1"/>
-              <a:t>etc</a:t>
-            </a:r>
-            <a:endParaRPr lang="en-US" dirty="0"/>
+              <a:t>Lead by Jack and Tai</a:t>
+            </a:r>
           </a:p>
         </p:txBody>
       </p:sp>
     </p:spTree>
     <p:extLst>
       <p:ext uri="{BB962C8B-B14F-4D97-AF65-F5344CB8AC3E}">
-        <p14:creationId xmlns:p14="http://schemas.microsoft.com/office/powerpoint/2010/main" val="2812766304"/>
+        <p14:creationId xmlns:p14="http://schemas.microsoft.com/office/powerpoint/2010/main" val="1606212518"/>
       </p:ext>
     </p:extLst>
   </p:cSld>
@@ -3534,6 +3526,208 @@
           <p:cNvPr id="2" name="Title 1">
             <a:extLst>
               <a:ext uri="{FF2B5EF4-FFF2-40B4-BE49-F238E27FC236}">
+                <a16:creationId xmlns:a16="http://schemas.microsoft.com/office/drawing/2014/main" id="{D2AC87FB-C5C9-AAD6-7FAC-790C8F456619}"/>
+              </a:ext>
+            </a:extLst>
+          </p:cNvPr>
+          <p:cNvSpPr>
+            <a:spLocks noGrp="1"/>
+          </p:cNvSpPr>
+          <p:nvPr>
+            <p:ph type="title"/>
+          </p:nvPr>
+        </p:nvSpPr>
+        <p:spPr/>
+        <p:txBody>
+          <a:bodyPr/>
+          <a:lstStyle/>
+          <a:p>
+            <a:r>
+              <a:rPr lang="en-US" dirty="0"/>
+              <a:t>Video Game Development</a:t>
+            </a:r>
+          </a:p>
+        </p:txBody>
+      </p:sp>
+      <p:sp>
+        <p:nvSpPr>
+          <p:cNvPr id="3" name="Content Placeholder 2">
+            <a:extLst>
+              <a:ext uri="{FF2B5EF4-FFF2-40B4-BE49-F238E27FC236}">
+                <a16:creationId xmlns:a16="http://schemas.microsoft.com/office/drawing/2014/main" id="{B6E1A0D8-7105-E97E-7A78-0174142C9FED}"/>
+              </a:ext>
+            </a:extLst>
+          </p:cNvPr>
+          <p:cNvSpPr>
+            <a:spLocks noGrp="1"/>
+          </p:cNvSpPr>
+          <p:nvPr>
+            <p:ph idx="1"/>
+          </p:nvPr>
+        </p:nvSpPr>
+        <p:spPr/>
+        <p:txBody>
+          <a:bodyPr/>
+          <a:lstStyle/>
+          <a:p>
+            <a:pPr marL="0" indent="0">
+              <a:buNone/>
+            </a:pPr>
+            <a:r>
+              <a:rPr lang="en-US" dirty="0"/>
+              <a:t>Video Game Development is the main branch of the club, inherited from the former videogame development Club. </a:t>
+            </a:r>
+          </a:p>
+        </p:txBody>
+      </p:sp>
+    </p:spTree>
+    <p:extLst>
+      <p:ext uri="{BB962C8B-B14F-4D97-AF65-F5344CB8AC3E}">
+        <p14:creationId xmlns:p14="http://schemas.microsoft.com/office/powerpoint/2010/main" val="3154983175"/>
+      </p:ext>
+    </p:extLst>
+  </p:cSld>
+  <p:clrMapOvr>
+    <a:masterClrMapping/>
+  </p:clrMapOvr>
+</p:sld>
+</file>
+
+<file path=ppt/slides/slide4.xml><?xml version="1.0" encoding="utf-8"?>
+<p:sld xmlns:a="http://schemas.openxmlformats.org/drawingml/2006/main" xmlns:r="http://schemas.openxmlformats.org/officeDocument/2006/relationships" xmlns:p="http://schemas.openxmlformats.org/presentationml/2006/main">
+  <p:cSld>
+    <p:spTree>
+      <p:nvGrpSpPr>
+        <p:cNvPr id="1" name=""/>
+        <p:cNvGrpSpPr/>
+        <p:nvPr/>
+      </p:nvGrpSpPr>
+      <p:grpSpPr>
+        <a:xfrm>
+          <a:off x="0" y="0"/>
+          <a:ext cx="0" cy="0"/>
+          <a:chOff x="0" y="0"/>
+          <a:chExt cx="0" cy="0"/>
+        </a:xfrm>
+      </p:grpSpPr>
+      <p:sp>
+        <p:nvSpPr>
+          <p:cNvPr id="2" name="Title 1">
+            <a:extLst>
+              <a:ext uri="{FF2B5EF4-FFF2-40B4-BE49-F238E27FC236}">
+                <a16:creationId xmlns:a16="http://schemas.microsoft.com/office/drawing/2014/main" id="{80292142-CB75-FE29-BB31-7134841BEF17}"/>
+              </a:ext>
+            </a:extLst>
+          </p:cNvPr>
+          <p:cNvSpPr>
+            <a:spLocks noGrp="1"/>
+          </p:cNvSpPr>
+          <p:nvPr>
+            <p:ph type="title"/>
+          </p:nvPr>
+        </p:nvSpPr>
+        <p:spPr/>
+        <p:txBody>
+          <a:bodyPr/>
+          <a:lstStyle/>
+          <a:p>
+            <a:r>
+              <a:rPr lang="en-US" dirty="0"/>
+              <a:t>Tools</a:t>
+            </a:r>
+          </a:p>
+        </p:txBody>
+      </p:sp>
+      <p:sp>
+        <p:nvSpPr>
+          <p:cNvPr id="3" name="Content Placeholder 2">
+            <a:extLst>
+              <a:ext uri="{FF2B5EF4-FFF2-40B4-BE49-F238E27FC236}">
+                <a16:creationId xmlns:a16="http://schemas.microsoft.com/office/drawing/2014/main" id="{5EC0C1BE-20C9-3629-ADF6-049274EF727B}"/>
+              </a:ext>
+            </a:extLst>
+          </p:cNvPr>
+          <p:cNvSpPr>
+            <a:spLocks noGrp="1"/>
+          </p:cNvSpPr>
+          <p:nvPr>
+            <p:ph idx="1"/>
+          </p:nvPr>
+        </p:nvSpPr>
+        <p:spPr/>
+        <p:txBody>
+          <a:bodyPr/>
+          <a:lstStyle/>
+          <a:p>
+            <a:r>
+              <a:rPr lang="en-US" dirty="0"/>
+              <a:t>Godot</a:t>
+            </a:r>
+          </a:p>
+          <a:p>
+            <a:r>
+              <a:rPr lang="en-US" dirty="0"/>
+              <a:t>Blender</a:t>
+            </a:r>
+          </a:p>
+          <a:p>
+            <a:r>
+              <a:rPr lang="en-US" dirty="0" err="1"/>
+              <a:t>Krita</a:t>
+            </a:r>
+            <a:endParaRPr lang="en-US" dirty="0"/>
+          </a:p>
+          <a:p>
+            <a:r>
+              <a:rPr lang="en-US" dirty="0" err="1"/>
+              <a:t>Musescore</a:t>
+            </a:r>
+            <a:endParaRPr lang="en-US" dirty="0"/>
+          </a:p>
+          <a:p>
+            <a:r>
+              <a:rPr lang="en-US" dirty="0" err="1"/>
+              <a:t>etc</a:t>
+            </a:r>
+            <a:endParaRPr lang="en-US" dirty="0"/>
+          </a:p>
+        </p:txBody>
+      </p:sp>
+    </p:spTree>
+    <p:extLst>
+      <p:ext uri="{BB962C8B-B14F-4D97-AF65-F5344CB8AC3E}">
+        <p14:creationId xmlns:p14="http://schemas.microsoft.com/office/powerpoint/2010/main" val="2812766304"/>
+      </p:ext>
+    </p:extLst>
+  </p:cSld>
+  <p:clrMapOvr>
+    <a:masterClrMapping/>
+  </p:clrMapOvr>
+</p:sld>
+</file>
+
+<file path=ppt/slides/slide5.xml><?xml version="1.0" encoding="utf-8"?>
+<p:sld xmlns:a="http://schemas.openxmlformats.org/drawingml/2006/main" xmlns:r="http://schemas.openxmlformats.org/officeDocument/2006/relationships" xmlns:p="http://schemas.openxmlformats.org/presentationml/2006/main">
+  <p:cSld>
+    <p:spTree>
+      <p:nvGrpSpPr>
+        <p:cNvPr id="1" name=""/>
+        <p:cNvGrpSpPr/>
+        <p:nvPr/>
+      </p:nvGrpSpPr>
+      <p:grpSpPr>
+        <a:xfrm>
+          <a:off x="0" y="0"/>
+          <a:ext cx="0" cy="0"/>
+          <a:chOff x="0" y="0"/>
+          <a:chExt cx="0" cy="0"/>
+        </a:xfrm>
+      </p:grpSpPr>
+      <p:sp>
+        <p:nvSpPr>
+          <p:cNvPr id="2" name="Title 1">
+            <a:extLst>
+              <a:ext uri="{FF2B5EF4-FFF2-40B4-BE49-F238E27FC236}">
                 <a16:creationId xmlns:a16="http://schemas.microsoft.com/office/drawing/2014/main" id="{DEEE6346-0DA8-65B5-F169-063043BBD170}"/>
               </a:ext>
             </a:extLst>
@@ -3580,16 +3774,43 @@
           <a:p>
             <a:r>
               <a:rPr lang="en-US" dirty="0"/>
-              <a:t>Godot: </a:t>
+              <a:t>Godot</a:t>
             </a:r>
           </a:p>
           <a:p>
             <a:pPr lvl="1"/>
             <a:r>
-              <a:rPr lang="en-US"/>
-              <a:t>  </a:t>
-            </a:r>
-            <a:endParaRPr lang="en-US" dirty="0"/>
+              <a:rPr lang="en-US" dirty="0"/>
+              <a:t>Overview of the interface</a:t>
+            </a:r>
+          </a:p>
+          <a:p>
+            <a:pPr lvl="1"/>
+            <a:r>
+              <a:rPr lang="en-US" dirty="0"/>
+              <a:t>Nodes and Scenes</a:t>
+            </a:r>
+          </a:p>
+          <a:p>
+            <a:pPr lvl="1"/>
+            <a:r>
+              <a:rPr lang="en-US" dirty="0"/>
+              <a:t>Instances and objects</a:t>
+            </a:r>
+          </a:p>
+          <a:p>
+            <a:pPr lvl="1"/>
+            <a:r>
+              <a:rPr lang="en-US" dirty="0"/>
+              <a:t>Scripting</a:t>
+            </a:r>
+          </a:p>
+          <a:p>
+            <a:pPr lvl="1"/>
+            <a:r>
+              <a:rPr lang="en-US" dirty="0"/>
+              <a:t>PROJECT!</a:t>
+            </a:r>
           </a:p>
         </p:txBody>
       </p:sp>
@@ -3597,6 +3818,178 @@
     <p:extLst>
       <p:ext uri="{BB962C8B-B14F-4D97-AF65-F5344CB8AC3E}">
         <p14:creationId xmlns:p14="http://schemas.microsoft.com/office/powerpoint/2010/main" val="4163260517"/>
+      </p:ext>
+    </p:extLst>
+  </p:cSld>
+  <p:clrMapOvr>
+    <a:masterClrMapping/>
+  </p:clrMapOvr>
+</p:sld>
+</file>
+
+<file path=ppt/slides/slide6.xml><?xml version="1.0" encoding="utf-8"?>
+<p:sld xmlns:a="http://schemas.openxmlformats.org/drawingml/2006/main" xmlns:r="http://schemas.openxmlformats.org/officeDocument/2006/relationships" xmlns:p="http://schemas.openxmlformats.org/presentationml/2006/main">
+  <p:cSld>
+    <p:spTree>
+      <p:nvGrpSpPr>
+        <p:cNvPr id="1" name=""/>
+        <p:cNvGrpSpPr/>
+        <p:nvPr/>
+      </p:nvGrpSpPr>
+      <p:grpSpPr>
+        <a:xfrm>
+          <a:off x="0" y="0"/>
+          <a:ext cx="0" cy="0"/>
+          <a:chOff x="0" y="0"/>
+          <a:chExt cx="0" cy="0"/>
+        </a:xfrm>
+      </p:grpSpPr>
+      <p:sp>
+        <p:nvSpPr>
+          <p:cNvPr id="2" name="Title 1">
+            <a:extLst>
+              <a:ext uri="{FF2B5EF4-FFF2-40B4-BE49-F238E27FC236}">
+                <a16:creationId xmlns:a16="http://schemas.microsoft.com/office/drawing/2014/main" id="{9EF400D2-4FBD-DF5F-0A6D-BAF3082E4094}"/>
+              </a:ext>
+            </a:extLst>
+          </p:cNvPr>
+          <p:cNvSpPr>
+            <a:spLocks noGrp="1"/>
+          </p:cNvSpPr>
+          <p:nvPr>
+            <p:ph type="title"/>
+          </p:nvPr>
+        </p:nvSpPr>
+        <p:spPr/>
+        <p:txBody>
+          <a:bodyPr/>
+          <a:lstStyle/>
+          <a:p>
+            <a:r>
+              <a:rPr lang="en-US" dirty="0"/>
+              <a:t>Tutoring</a:t>
+            </a:r>
+          </a:p>
+        </p:txBody>
+      </p:sp>
+      <p:sp>
+        <p:nvSpPr>
+          <p:cNvPr id="3" name="Text Placeholder 2">
+            <a:extLst>
+              <a:ext uri="{FF2B5EF4-FFF2-40B4-BE49-F238E27FC236}">
+                <a16:creationId xmlns:a16="http://schemas.microsoft.com/office/drawing/2014/main" id="{563DED92-0758-A101-1B06-130253CC01C6}"/>
+              </a:ext>
+            </a:extLst>
+          </p:cNvPr>
+          <p:cNvSpPr>
+            <a:spLocks noGrp="1"/>
+          </p:cNvSpPr>
+          <p:nvPr>
+            <p:ph type="body" idx="1"/>
+          </p:nvPr>
+        </p:nvSpPr>
+        <p:spPr/>
+        <p:txBody>
+          <a:bodyPr/>
+          <a:lstStyle/>
+          <a:p>
+            <a:r>
+              <a:rPr lang="en-US" dirty="0"/>
+              <a:t>Lead By Tom, Jack</a:t>
+            </a:r>
+          </a:p>
+        </p:txBody>
+      </p:sp>
+    </p:spTree>
+    <p:extLst>
+      <p:ext uri="{BB962C8B-B14F-4D97-AF65-F5344CB8AC3E}">
+        <p14:creationId xmlns:p14="http://schemas.microsoft.com/office/powerpoint/2010/main" val="1966031404"/>
+      </p:ext>
+    </p:extLst>
+  </p:cSld>
+  <p:clrMapOvr>
+    <a:masterClrMapping/>
+  </p:clrMapOvr>
+</p:sld>
+</file>
+
+<file path=ppt/slides/slide7.xml><?xml version="1.0" encoding="utf-8"?>
+<p:sld xmlns:a="http://schemas.openxmlformats.org/drawingml/2006/main" xmlns:r="http://schemas.openxmlformats.org/officeDocument/2006/relationships" xmlns:p="http://schemas.openxmlformats.org/presentationml/2006/main">
+  <p:cSld>
+    <p:spTree>
+      <p:nvGrpSpPr>
+        <p:cNvPr id="1" name=""/>
+        <p:cNvGrpSpPr/>
+        <p:nvPr/>
+      </p:nvGrpSpPr>
+      <p:grpSpPr>
+        <a:xfrm>
+          <a:off x="0" y="0"/>
+          <a:ext cx="0" cy="0"/>
+          <a:chOff x="0" y="0"/>
+          <a:chExt cx="0" cy="0"/>
+        </a:xfrm>
+      </p:grpSpPr>
+      <p:sp>
+        <p:nvSpPr>
+          <p:cNvPr id="2" name="Title 1">
+            <a:extLst>
+              <a:ext uri="{FF2B5EF4-FFF2-40B4-BE49-F238E27FC236}">
+                <a16:creationId xmlns:a16="http://schemas.microsoft.com/office/drawing/2014/main" id="{71DBB591-CFAE-3FE4-45A3-8CCA9B53FD5C}"/>
+              </a:ext>
+            </a:extLst>
+          </p:cNvPr>
+          <p:cNvSpPr>
+            <a:spLocks noGrp="1"/>
+          </p:cNvSpPr>
+          <p:nvPr>
+            <p:ph type="title"/>
+          </p:nvPr>
+        </p:nvSpPr>
+        <p:spPr/>
+        <p:txBody>
+          <a:bodyPr/>
+          <a:lstStyle/>
+          <a:p>
+            <a:r>
+              <a:rPr lang="en-US" dirty="0"/>
+              <a:t>E-sports</a:t>
+            </a:r>
+          </a:p>
+        </p:txBody>
+      </p:sp>
+      <p:sp>
+        <p:nvSpPr>
+          <p:cNvPr id="3" name="Text Placeholder 2">
+            <a:extLst>
+              <a:ext uri="{FF2B5EF4-FFF2-40B4-BE49-F238E27FC236}">
+                <a16:creationId xmlns:a16="http://schemas.microsoft.com/office/drawing/2014/main" id="{74DC003B-7660-AF97-9CDD-89B8155BCD91}"/>
+              </a:ext>
+            </a:extLst>
+          </p:cNvPr>
+          <p:cNvSpPr>
+            <a:spLocks noGrp="1"/>
+          </p:cNvSpPr>
+          <p:nvPr>
+            <p:ph type="body" idx="1"/>
+          </p:nvPr>
+        </p:nvSpPr>
+        <p:spPr/>
+        <p:txBody>
+          <a:bodyPr/>
+          <a:lstStyle/>
+          <a:p>
+            <a:r>
+              <a:rPr lang="en-US" dirty="0"/>
+              <a:t>Lead by Tim Wang</a:t>
+            </a:r>
+          </a:p>
+        </p:txBody>
+      </p:sp>
+    </p:spTree>
+    <p:extLst>
+      <p:ext uri="{BB962C8B-B14F-4D97-AF65-F5344CB8AC3E}">
+        <p14:creationId xmlns:p14="http://schemas.microsoft.com/office/powerpoint/2010/main" val="4033380915"/>
       </p:ext>
     </p:extLst>
   </p:cSld>
